--- a/Modulo 3/Presentacion.pptx
+++ b/Modulo 3/Presentacion.pptx
@@ -117,6 +117,11 @@
       </a:defRPr>
     </a:lvl9pPr>
   </p:defaultTextStyle>
+  <p:extLst>
+    <p:ext uri="{EFAFB233-063F-42B5-8137-9DF3F51BA10A}">
+      <p15:sldGuideLst xmlns:p15="http://schemas.microsoft.com/office/powerpoint/2012/main"/>
+    </p:ext>
+  </p:extLst>
 </p:presentation>
 </file>
 
@@ -15936,7 +15941,7 @@
               <a:rPr lang="es-AR" dirty="0" err="1"/>
               <a:t>hiperparámetros</a:t>
             </a:r>
-            <a:endParaRPr lang="es-ES"/>
+            <a:endParaRPr lang="es-ES" dirty="0"/>
           </a:p>
         </p:txBody>
       </p:sp>
@@ -16722,14 +16727,14 @@
           <p:nvPr>
             <p:extLst>
               <p:ext uri="{D42A27DB-BD31-4B8C-83A1-F6EECF244321}">
-                <p14:modId xmlns:p14="http://schemas.microsoft.com/office/powerpoint/2010/main" val="3080092701"/>
+                <p14:modId xmlns:p14="http://schemas.microsoft.com/office/powerpoint/2010/main" val="1564888224"/>
               </p:ext>
             </p:extLst>
           </p:nvPr>
         </p:nvGraphicFramePr>
         <p:xfrm>
           <a:off x="7124700" y="4065492"/>
-          <a:ext cx="3208020" cy="2621280"/>
+          <a:ext cx="3208020" cy="2773680"/>
         </p:xfrm>
         <a:graphic>
           <a:graphicData uri="http://schemas.openxmlformats.org/drawingml/2006/table">
@@ -16945,7 +16950,7 @@
                           <a:ea typeface="+mn-ea"/>
                           <a:cs typeface="+mn-cs"/>
                         </a:rPr>
-                        <a:t>Cliente de compra regular</a:t>
+                        <a:t>Cliente de compra frecuente</a:t>
                       </a:r>
                     </a:p>
                   </a:txBody>
@@ -17028,8 +17033,36 @@
                           <a:ea typeface="+mn-ea"/>
                           <a:cs typeface="+mn-cs"/>
                         </a:rPr>
-                        <a:t>Cliente de compra frecuente</a:t>
+                        <a:t>Cliente de compra regular</a:t>
                       </a:r>
+                    </a:p>
+                    <a:p>
+                      <a:pPr marL="0" marR="0" lvl="0" indent="0" algn="l" defTabSz="914400" rtl="0" eaLnBrk="1" fontAlgn="auto" latinLnBrk="0" hangingPunct="1">
+                        <a:lnSpc>
+                          <a:spcPct val="100000"/>
+                        </a:lnSpc>
+                        <a:spcBef>
+                          <a:spcPts val="0"/>
+                        </a:spcBef>
+                        <a:spcAft>
+                          <a:spcPts val="0"/>
+                        </a:spcAft>
+                        <a:buClrTx/>
+                        <a:buSzTx/>
+                        <a:buFontTx/>
+                        <a:buNone/>
+                        <a:tabLst/>
+                        <a:defRPr/>
+                      </a:pPr>
+                      <a:endParaRPr lang="es-ES" sz="1400" b="0" i="0" kern="1200" dirty="0">
+                        <a:solidFill>
+                          <a:srgbClr val="000000"/>
+                        </a:solidFill>
+                        <a:effectLst/>
+                        <a:latin typeface="Helvetica Neue"/>
+                        <a:ea typeface="+mn-ea"/>
+                        <a:cs typeface="+mn-cs"/>
+                      </a:endParaRPr>
                     </a:p>
                   </a:txBody>
                   <a:tcPr/>
@@ -17111,7 +17144,7 @@
                           <a:ea typeface="+mn-ea"/>
                           <a:cs typeface="+mn-cs"/>
                         </a:rPr>
-                        <a:t>Clientes-embajadores</a:t>
+                        <a:t>Cliente embajador</a:t>
                       </a:r>
                     </a:p>
                   </a:txBody>
@@ -17194,7 +17227,7 @@
                           <a:ea typeface="+mn-ea"/>
                           <a:cs typeface="+mn-cs"/>
                         </a:rPr>
-                        <a:t>Clientes-ahorradores</a:t>
+                        <a:t>Cliente ahorrador</a:t>
                       </a:r>
                     </a:p>
                   </a:txBody>
@@ -17288,13 +17321,13 @@
           <p:nvPr>
             <p:extLst>
               <p:ext uri="{D42A27DB-BD31-4B8C-83A1-F6EECF244321}">
-                <p14:modId xmlns:p14="http://schemas.microsoft.com/office/powerpoint/2010/main" val="2160530464"/>
+                <p14:modId xmlns:p14="http://schemas.microsoft.com/office/powerpoint/2010/main" val="2295203531"/>
               </p:ext>
             </p:extLst>
           </p:nvPr>
         </p:nvGraphicFramePr>
         <p:xfrm>
-          <a:off x="393789" y="750749"/>
+          <a:off x="451416" y="750749"/>
           <a:ext cx="11500971" cy="6087042"/>
         </p:xfrm>
         <a:graphic>
@@ -17723,7 +17756,7 @@
                           <a:ea typeface="+mn-ea"/>
                           <a:cs typeface="+mn-cs"/>
                         </a:rPr>
-                        <a:t>Cliente de compra</a:t>
+                        <a:t>Cliente </a:t>
                       </a:r>
                     </a:p>
                     <a:p>
@@ -17754,7 +17787,7 @@
                           <a:ea typeface="+mn-ea"/>
                           <a:cs typeface="+mn-cs"/>
                         </a:rPr>
-                        <a:t> frecuente</a:t>
+                        <a:t>embajador</a:t>
                       </a:r>
                     </a:p>
                   </a:txBody>
@@ -17895,7 +17928,7 @@
                           <a:ea typeface="+mn-ea"/>
                           <a:cs typeface="+mn-cs"/>
                         </a:rPr>
-                        <a:t>Cliente </a:t>
+                        <a:t>Cliente de compra</a:t>
                       </a:r>
                     </a:p>
                     <a:p>
@@ -17926,8 +17959,36 @@
                           <a:ea typeface="+mn-ea"/>
                           <a:cs typeface="+mn-cs"/>
                         </a:rPr>
-                        <a:t>embajador</a:t>
+                        <a:t> frecuente</a:t>
                       </a:r>
+                    </a:p>
+                    <a:p>
+                      <a:pPr marL="0" marR="0" lvl="0" indent="0" algn="r" defTabSz="914400" rtl="0" eaLnBrk="1" fontAlgn="auto" latinLnBrk="0" hangingPunct="1">
+                        <a:lnSpc>
+                          <a:spcPct val="100000"/>
+                        </a:lnSpc>
+                        <a:spcBef>
+                          <a:spcPts val="0"/>
+                        </a:spcBef>
+                        <a:spcAft>
+                          <a:spcPts val="0"/>
+                        </a:spcAft>
+                        <a:buClrTx/>
+                        <a:buSzTx/>
+                        <a:buFontTx/>
+                        <a:buNone/>
+                        <a:tabLst/>
+                        <a:defRPr/>
+                      </a:pPr>
+                      <a:endParaRPr lang="es-ES" sz="1400" b="0" i="0" kern="1200" dirty="0">
+                        <a:solidFill>
+                          <a:srgbClr val="000000"/>
+                        </a:solidFill>
+                        <a:effectLst/>
+                        <a:latin typeface="Helvetica Neue"/>
+                        <a:ea typeface="+mn-ea"/>
+                        <a:cs typeface="+mn-cs"/>
+                      </a:endParaRPr>
                     </a:p>
                   </a:txBody>
                   <a:tcPr/>
@@ -17964,7 +18025,7 @@
                           <a:ea typeface="+mn-ea"/>
                           <a:cs typeface="+mn-cs"/>
                         </a:rPr>
-                        <a:t>Son clientes que si bien poseen bajos ingresos poseen un alto puntaje de gasto, son clientes que seguramente no estén pensando en ahorrar, sino en comprar y satisfacer sus necesidades de forma rápida.</a:t>
+                        <a:t>Son clientes (jóvenes) que si bien poseen bajos ingresos poseen un alto puntaje de gasto, son clientes que seguramente no estén pensando en ahorrar, sino en comprar y satisfacer sus necesidades de forma rápida.</a:t>
                       </a:r>
                     </a:p>
                   </a:txBody>

--- a/Modulo 3/Presentacion.pptx
+++ b/Modulo 3/Presentacion.pptx
@@ -3816,7 +3816,7 @@
 <dgm:dataModel xmlns:dgm="http://schemas.openxmlformats.org/drawingml/2006/diagram" xmlns:a="http://schemas.openxmlformats.org/drawingml/2006/main">
   <dgm:ptLst>
     <dgm:pt modelId="{94CCD13E-DFDF-459C-87AE-E68D43ABB04F}" type="doc">
-      <dgm:prSet loTypeId="urn:microsoft.com/office/officeart/2008/layout/LinedList" loCatId="list" qsTypeId="urn:microsoft.com/office/officeart/2005/8/quickstyle/simple1" qsCatId="simple" csTypeId="urn:microsoft.com/office/officeart/2005/8/colors/accent1_2" csCatId="accent1"/>
+      <dgm:prSet loTypeId="urn:microsoft.com/office/officeart/2008/layout/LinedList" loCatId="list" qsTypeId="urn:microsoft.com/office/officeart/2005/8/quickstyle/simple1" qsCatId="simple" csTypeId="urn:microsoft.com/office/officeart/2005/8/colors/accent1_2" csCatId="accent1" phldr="1"/>
       <dgm:spPr/>
       <dgm:t>
         <a:bodyPr/>
@@ -3834,10 +3834,18 @@
         <a:lstStyle/>
         <a:p>
           <a:r>
-            <a:rPr lang="es-AR"/>
-            <a:t>Dado el tipo de set de datos que poseíamos y la distribución de las variables, el mejor método para poder segmentar a los clientes fue Kmeans.</a:t>
+            <a:rPr lang="es-AR" dirty="0"/>
+            <a:t>Dado el tipo de set de datos que poseíamos y la distribución de las variables, el mejor método para poder segmentar a los clientes fue </a:t>
           </a:r>
-          <a:endParaRPr lang="en-US"/>
+          <a:r>
+            <a:rPr lang="es-AR" dirty="0" err="1"/>
+            <a:t>Kmeans</a:t>
+          </a:r>
+          <a:r>
+            <a:rPr lang="es-AR" dirty="0"/>
+            <a:t>.</a:t>
+          </a:r>
+          <a:endParaRPr lang="en-US" dirty="0"/>
         </a:p>
       </dgm:t>
     </dgm:pt>
@@ -3871,10 +3879,26 @@
         <a:lstStyle/>
         <a:p>
           <a:r>
+            <a:rPr lang="es-AR" dirty="0"/>
+            <a:t>Se ajustaron los </a:t>
+          </a:r>
+          <a:r>
+            <a:rPr lang="es-AR" dirty="0" err="1"/>
+            <a:t>hiperparámetros</a:t>
+          </a:r>
+          <a:r>
+            <a:rPr lang="es-AR" dirty="0"/>
+            <a:t> de DBSCAN y de </a:t>
+          </a:r>
+          <a:r>
             <a:rPr lang="es-AR"/>
-            <a:t>Se ajustaron los hiperparametros de DBSCAN y de Clustering Jerárquico justamente para coincidir y comparar los datos. </a:t>
+            <a:t>clustering</a:t>
           </a:r>
-          <a:endParaRPr lang="en-US"/>
+          <a:r>
+            <a:rPr lang="es-AR" dirty="0"/>
+            <a:t> jerárquico justamente para coincidir y comparar los datos. </a:t>
+          </a:r>
+          <a:endParaRPr lang="en-US" dirty="0"/>
         </a:p>
       </dgm:t>
     </dgm:pt>
@@ -3908,10 +3932,18 @@
         <a:lstStyle/>
         <a:p>
           <a:r>
-            <a:rPr lang="es-AR"/>
-            <a:t>Se realizó el análisis de los datos de la forma menos sesgada posible a fin que el cliente (conociendo el negocio) pueda aun trabajar con segmentos más chicos (división en 6 clusters si fuera necesario) </a:t>
+            <a:rPr lang="es-AR" dirty="0"/>
+            <a:t>Se realizó el análisis de los datos de la forma menos sesgada posible a fin que el cliente (conociendo el negocio) pueda aun trabajar con segmentos más chicos (división en 6 </a:t>
           </a:r>
-          <a:endParaRPr lang="en-US"/>
+          <a:r>
+            <a:rPr lang="es-AR" dirty="0" err="1"/>
+            <a:t>clusters</a:t>
+          </a:r>
+          <a:r>
+            <a:rPr lang="es-AR" dirty="0"/>
+            <a:t> si fuera necesario).</a:t>
+          </a:r>
+          <a:endParaRPr lang="en-US" dirty="0"/>
         </a:p>
       </dgm:t>
     </dgm:pt>
@@ -3945,10 +3977,10 @@
         <a:lstStyle/>
         <a:p>
           <a:r>
-            <a:rPr lang="es-ES"/>
+            <a:rPr lang="es-ES" dirty="0"/>
             <a:t>El segmento de clientes ocasionales, puede incrementar las ventas, pero hay que ser cauteloso con las ofertas que se le envían dado que es muy probable que sigan firmes con su objetivo de largo plazo.</a:t>
           </a:r>
-          <a:endParaRPr lang="en-US"/>
+          <a:endParaRPr lang="en-US" dirty="0"/>
         </a:p>
       </dgm:t>
     </dgm:pt>
@@ -4935,10 +4967,18 @@
             <a:buNone/>
           </a:pPr>
           <a:r>
-            <a:rPr lang="es-AR" sz="1900" kern="1200"/>
-            <a:t>Dado el tipo de set de datos que poseíamos y la distribución de las variables, el mejor método para poder segmentar a los clientes fue Kmeans.</a:t>
+            <a:rPr lang="es-AR" sz="1900" kern="1200" dirty="0"/>
+            <a:t>Dado el tipo de set de datos que poseíamos y la distribución de las variables, el mejor método para poder segmentar a los clientes fue </a:t>
           </a:r>
-          <a:endParaRPr lang="en-US" sz="1900" kern="1200"/>
+          <a:r>
+            <a:rPr lang="es-AR" sz="1900" kern="1200" dirty="0" err="1"/>
+            <a:t>Kmeans</a:t>
+          </a:r>
+          <a:r>
+            <a:rPr lang="es-AR" sz="1900" kern="1200" dirty="0"/>
+            <a:t>.</a:t>
+          </a:r>
+          <a:endParaRPr lang="en-US" sz="1900" kern="1200" dirty="0"/>
         </a:p>
       </dsp:txBody>
       <dsp:txXfrm>
@@ -5046,10 +5086,26 @@
             <a:buNone/>
           </a:pPr>
           <a:r>
+            <a:rPr lang="es-AR" sz="1900" kern="1200" dirty="0"/>
+            <a:t>Se ajustaron los </a:t>
+          </a:r>
+          <a:r>
+            <a:rPr lang="es-AR" sz="1900" kern="1200" dirty="0" err="1"/>
+            <a:t>hiperparámetros</a:t>
+          </a:r>
+          <a:r>
+            <a:rPr lang="es-AR" sz="1900" kern="1200" dirty="0"/>
+            <a:t> de DBSCAN y de </a:t>
+          </a:r>
+          <a:r>
             <a:rPr lang="es-AR" sz="1900" kern="1200"/>
-            <a:t>Se ajustaron los hiperparametros de DBSCAN y de Clustering Jerárquico justamente para coincidir y comparar los datos. </a:t>
+            <a:t>clustering</a:t>
           </a:r>
-          <a:endParaRPr lang="en-US" sz="1900" kern="1200"/>
+          <a:r>
+            <a:rPr lang="es-AR" sz="1900" kern="1200" dirty="0"/>
+            <a:t> jerárquico justamente para coincidir y comparar los datos. </a:t>
+          </a:r>
+          <a:endParaRPr lang="en-US" sz="1900" kern="1200" dirty="0"/>
         </a:p>
       </dsp:txBody>
       <dsp:txXfrm>
@@ -5157,10 +5213,18 @@
             <a:buNone/>
           </a:pPr>
           <a:r>
-            <a:rPr lang="es-AR" sz="1900" kern="1200"/>
-            <a:t>Se realizó el análisis de los datos de la forma menos sesgada posible a fin que el cliente (conociendo el negocio) pueda aun trabajar con segmentos más chicos (división en 6 clusters si fuera necesario) </a:t>
+            <a:rPr lang="es-AR" sz="1900" kern="1200" dirty="0"/>
+            <a:t>Se realizó el análisis de los datos de la forma menos sesgada posible a fin que el cliente (conociendo el negocio) pueda aun trabajar con segmentos más chicos (división en 6 </a:t>
           </a:r>
-          <a:endParaRPr lang="en-US" sz="1900" kern="1200"/>
+          <a:r>
+            <a:rPr lang="es-AR" sz="1900" kern="1200" dirty="0" err="1"/>
+            <a:t>clusters</a:t>
+          </a:r>
+          <a:r>
+            <a:rPr lang="es-AR" sz="1900" kern="1200" dirty="0"/>
+            <a:t> si fuera necesario).</a:t>
+          </a:r>
+          <a:endParaRPr lang="en-US" sz="1900" kern="1200" dirty="0"/>
         </a:p>
       </dsp:txBody>
       <dsp:txXfrm>
@@ -5268,10 +5332,10 @@
             <a:buNone/>
           </a:pPr>
           <a:r>
-            <a:rPr lang="es-ES" sz="1900" kern="1200"/>
+            <a:rPr lang="es-ES" sz="1900" kern="1200" dirty="0"/>
             <a:t>El segmento de clientes ocasionales, puede incrementar las ventas, pero hay que ser cauteloso con las ofertas que se le envían dado que es muy probable que sigan firmes con su objetivo de largo plazo.</a:t>
           </a:r>
-          <a:endParaRPr lang="en-US" sz="1900" kern="1200"/>
+          <a:endParaRPr lang="en-US" sz="1900" kern="1200" dirty="0"/>
         </a:p>
       </dsp:txBody>
       <dsp:txXfrm>
@@ -16674,7 +16738,7 @@
         </p:blipFill>
         <p:spPr>
           <a:xfrm>
-            <a:off x="1167012" y="1070572"/>
+            <a:off x="707826" y="1241611"/>
             <a:ext cx="9624894" cy="2994920"/>
           </a:xfrm>
           <a:prstGeom prst="rect">
@@ -17243,6 +17307,65 @@
           </a:graphicData>
         </a:graphic>
       </p:graphicFrame>
+      <p:sp>
+        <p:nvSpPr>
+          <p:cNvPr id="6" name="Título 1">
+            <a:extLst>
+              <a:ext uri="{FF2B5EF4-FFF2-40B4-BE49-F238E27FC236}">
+                <a16:creationId xmlns:a16="http://schemas.microsoft.com/office/drawing/2014/main" id="{B1B542CE-71AB-46D7-8081-B329AE831107}"/>
+              </a:ext>
+            </a:extLst>
+          </p:cNvPr>
+          <p:cNvSpPr txBox="1">
+            <a:spLocks/>
+          </p:cNvSpPr>
+          <p:nvPr/>
+        </p:nvSpPr>
+        <p:spPr>
+          <a:xfrm>
+            <a:off x="3970495" y="848065"/>
+            <a:ext cx="4578282" cy="497354"/>
+          </a:xfrm>
+          <a:prstGeom prst="rect">
+            <a:avLst/>
+          </a:prstGeom>
+        </p:spPr>
+        <p:txBody>
+          <a:bodyPr vert="horz" lIns="91440" tIns="45720" rIns="91440" bIns="45720" rtlCol="0" anchor="b">
+            <a:normAutofit fontScale="97500"/>
+          </a:bodyPr>
+          <a:lstStyle>
+            <a:lvl1pPr algn="l" defTabSz="914400" rtl="0" eaLnBrk="1" latinLnBrk="0" hangingPunct="1">
+              <a:lnSpc>
+                <a:spcPct val="110000"/>
+              </a:lnSpc>
+              <a:spcBef>
+                <a:spcPct val="0"/>
+              </a:spcBef>
+              <a:buNone/>
+              <a:defRPr sz="3200" kern="1200" cap="none" baseline="0">
+                <a:solidFill>
+                  <a:schemeClr val="tx2"/>
+                </a:solidFill>
+                <a:latin typeface="+mj-lt"/>
+                <a:ea typeface="+mj-ea"/>
+                <a:cs typeface="+mj-cs"/>
+              </a:defRPr>
+            </a:lvl1pPr>
+          </a:lstStyle>
+          <a:p>
+            <a:r>
+              <a:rPr lang="es-AR" sz="2000" dirty="0"/>
+              <a:t>valores medios en cada </a:t>
+            </a:r>
+            <a:r>
+              <a:rPr lang="es-AR" sz="2000" dirty="0" err="1"/>
+              <a:t>cluster</a:t>
+            </a:r>
+            <a:endParaRPr lang="es-ES" sz="2000" dirty="0"/>
+          </a:p>
+        </p:txBody>
+      </p:sp>
     </p:spTree>
     <p:extLst>
       <p:ext uri="{BB962C8B-B14F-4D97-AF65-F5344CB8AC3E}">
@@ -17321,14 +17444,14 @@
           <p:nvPr>
             <p:extLst>
               <p:ext uri="{D42A27DB-BD31-4B8C-83A1-F6EECF244321}">
-                <p14:modId xmlns:p14="http://schemas.microsoft.com/office/powerpoint/2010/main" val="2295203531"/>
+                <p14:modId xmlns:p14="http://schemas.microsoft.com/office/powerpoint/2010/main" val="2188327138"/>
               </p:ext>
             </p:extLst>
           </p:nvPr>
         </p:nvGraphicFramePr>
         <p:xfrm>
           <a:off x="451416" y="750749"/>
-          <a:ext cx="11500971" cy="6087042"/>
+          <a:ext cx="11500971" cy="6073082"/>
         </p:xfrm>
         <a:graphic>
           <a:graphicData uri="http://schemas.openxmlformats.org/drawingml/2006/table">
@@ -17408,7 +17531,7 @@
                   </a:ext>
                 </a:extLst>
               </a:tr>
-              <a:tr h="1191830">
+              <a:tr h="1177870">
                 <a:tc>
                   <a:txBody>
                     <a:bodyPr/>
@@ -18789,7 +18912,7 @@
             <p:ph idx="1"/>
             <p:extLst>
               <p:ext uri="{D42A27DB-BD31-4B8C-83A1-F6EECF244321}">
-                <p14:modId xmlns:p14="http://schemas.microsoft.com/office/powerpoint/2010/main" val="2974909294"/>
+                <p14:modId xmlns:p14="http://schemas.microsoft.com/office/powerpoint/2010/main" val="365712774"/>
               </p:ext>
             </p:extLst>
           </p:nvPr>

--- a/Modulo 3/Presentacion.pptx
+++ b/Modulo 3/Presentacion.pptx
@@ -3307,10 +3307,10 @@
         <a:lstStyle/>
         <a:p>
           <a:r>
-            <a:rPr lang="es-ES" dirty="0"/>
+            <a:rPr lang="es-ES"/>
             <a:t>Identificar la base de clientes con mayor potencial para la venta de producto/s</a:t>
           </a:r>
-          <a:endParaRPr lang="en-US" dirty="0"/>
+          <a:endParaRPr lang="en-US"/>
         </a:p>
       </dgm:t>
     </dgm:pt>
@@ -3639,10 +3639,10 @@
         <a:lstStyle/>
         <a:p>
           <a:r>
-            <a:rPr lang="es-AR" dirty="0" err="1"/>
+            <a:rPr lang="es-AR" err="1"/>
             <a:t>Kmeans</a:t>
           </a:r>
-          <a:endParaRPr lang="en-US" dirty="0"/>
+          <a:endParaRPr lang="en-US"/>
         </a:p>
       </dgm:t>
     </dgm:pt>
@@ -3676,10 +3676,10 @@
         <a:lstStyle/>
         <a:p>
           <a:r>
-            <a:rPr lang="es-ES" dirty="0"/>
+            <a:rPr lang="es-ES"/>
             <a:t>DBSCAN</a:t>
           </a:r>
-          <a:endParaRPr lang="en-US" dirty="0"/>
+          <a:endParaRPr lang="en-US"/>
         </a:p>
       </dgm:t>
     </dgm:pt>
@@ -3713,14 +3713,14 @@
         <a:lstStyle/>
         <a:p>
           <a:r>
-            <a:rPr lang="es-ES" dirty="0" err="1"/>
+            <a:rPr lang="es-ES" err="1"/>
             <a:t>Clustering</a:t>
           </a:r>
           <a:r>
-            <a:rPr lang="es-ES" dirty="0"/>
+            <a:rPr lang="es-ES"/>
             <a:t> Jerárquico</a:t>
           </a:r>
-          <a:endParaRPr lang="en-US" dirty="0"/>
+          <a:endParaRPr lang="en-US"/>
         </a:p>
       </dgm:t>
     </dgm:pt>
@@ -3834,18 +3834,17 @@
         <a:lstStyle/>
         <a:p>
           <a:r>
-            <a:rPr lang="es-AR" dirty="0"/>
+            <a:rPr lang="es-AR" noProof="0" dirty="0"/>
             <a:t>Dado el tipo de set de datos que poseíamos y la distribución de las variables, el mejor método para poder segmentar a los clientes fue </a:t>
           </a:r>
           <a:r>
-            <a:rPr lang="es-AR" dirty="0" err="1"/>
+            <a:rPr lang="es-AR" noProof="0" dirty="0" err="1"/>
             <a:t>Kmeans</a:t>
           </a:r>
           <a:r>
-            <a:rPr lang="es-AR" dirty="0"/>
+            <a:rPr lang="es-AR" noProof="0" dirty="0"/>
             <a:t>.</a:t>
           </a:r>
-          <a:endParaRPr lang="en-US" dirty="0"/>
         </a:p>
       </dgm:t>
     </dgm:pt>
@@ -3856,7 +3855,7 @@
         <a:bodyPr/>
         <a:lstStyle/>
         <a:p>
-          <a:endParaRPr lang="en-US"/>
+          <a:endParaRPr lang="es-AR" noProof="0" dirty="0"/>
         </a:p>
       </dgm:t>
     </dgm:pt>
@@ -3867,7 +3866,7 @@
         <a:bodyPr/>
         <a:lstStyle/>
         <a:p>
-          <a:endParaRPr lang="en-US"/>
+          <a:endParaRPr lang="es-AR" noProof="0" dirty="0"/>
         </a:p>
       </dgm:t>
     </dgm:pt>
@@ -3879,26 +3878,25 @@
         <a:lstStyle/>
         <a:p>
           <a:r>
-            <a:rPr lang="es-AR" dirty="0"/>
+            <a:rPr lang="es-AR" noProof="0" dirty="0"/>
             <a:t>Se ajustaron los </a:t>
           </a:r>
           <a:r>
-            <a:rPr lang="es-AR" dirty="0" err="1"/>
+            <a:rPr lang="es-AR" noProof="0" dirty="0" err="1"/>
             <a:t>hiperparámetros</a:t>
           </a:r>
           <a:r>
-            <a:rPr lang="es-AR" dirty="0"/>
+            <a:rPr lang="es-AR" noProof="0" dirty="0"/>
             <a:t> de DBSCAN y de </a:t>
           </a:r>
           <a:r>
-            <a:rPr lang="es-AR"/>
+            <a:rPr lang="es-AR" noProof="0" dirty="0" err="1"/>
             <a:t>clustering</a:t>
           </a:r>
           <a:r>
-            <a:rPr lang="es-AR" dirty="0"/>
+            <a:rPr lang="es-AR" noProof="0" dirty="0"/>
             <a:t> jerárquico justamente para coincidir y comparar los datos. </a:t>
           </a:r>
-          <a:endParaRPr lang="en-US" dirty="0"/>
         </a:p>
       </dgm:t>
     </dgm:pt>
@@ -3909,7 +3907,7 @@
         <a:bodyPr/>
         <a:lstStyle/>
         <a:p>
-          <a:endParaRPr lang="en-US"/>
+          <a:endParaRPr lang="es-AR" noProof="0" dirty="0"/>
         </a:p>
       </dgm:t>
     </dgm:pt>
@@ -3920,7 +3918,7 @@
         <a:bodyPr/>
         <a:lstStyle/>
         <a:p>
-          <a:endParaRPr lang="en-US"/>
+          <a:endParaRPr lang="es-AR" noProof="0" dirty="0"/>
         </a:p>
       </dgm:t>
     </dgm:pt>
@@ -3932,18 +3930,17 @@
         <a:lstStyle/>
         <a:p>
           <a:r>
-            <a:rPr lang="es-AR" dirty="0"/>
+            <a:rPr lang="es-AR" noProof="0" dirty="0"/>
             <a:t>Se realizó el análisis de los datos de la forma menos sesgada posible a fin que el cliente (conociendo el negocio) pueda aun trabajar con segmentos más chicos (división en 6 </a:t>
           </a:r>
           <a:r>
-            <a:rPr lang="es-AR" dirty="0" err="1"/>
+            <a:rPr lang="es-AR" noProof="0" dirty="0" err="1"/>
             <a:t>clusters</a:t>
           </a:r>
           <a:r>
-            <a:rPr lang="es-AR" dirty="0"/>
+            <a:rPr lang="es-AR" noProof="0" dirty="0"/>
             <a:t> si fuera necesario).</a:t>
           </a:r>
-          <a:endParaRPr lang="en-US" dirty="0"/>
         </a:p>
       </dgm:t>
     </dgm:pt>
@@ -3954,7 +3951,7 @@
         <a:bodyPr/>
         <a:lstStyle/>
         <a:p>
-          <a:endParaRPr lang="en-US"/>
+          <a:endParaRPr lang="es-AR" noProof="0" dirty="0"/>
         </a:p>
       </dgm:t>
     </dgm:pt>
@@ -3965,7 +3962,7 @@
         <a:bodyPr/>
         <a:lstStyle/>
         <a:p>
-          <a:endParaRPr lang="en-US"/>
+          <a:endParaRPr lang="es-AR" noProof="0" dirty="0"/>
         </a:p>
       </dgm:t>
     </dgm:pt>
@@ -3977,10 +3974,9 @@
         <a:lstStyle/>
         <a:p>
           <a:r>
-            <a:rPr lang="es-ES" dirty="0"/>
+            <a:rPr lang="es-AR" noProof="0" dirty="0"/>
             <a:t>El segmento de clientes ocasionales, puede incrementar las ventas, pero hay que ser cauteloso con las ofertas que se le envían dado que es muy probable que sigan firmes con su objetivo de largo plazo.</a:t>
           </a:r>
-          <a:endParaRPr lang="en-US" dirty="0"/>
         </a:p>
       </dgm:t>
     </dgm:pt>
@@ -3991,7 +3987,7 @@
         <a:bodyPr/>
         <a:lstStyle/>
         <a:p>
-          <a:endParaRPr lang="en-US"/>
+          <a:endParaRPr lang="es-AR" noProof="0" dirty="0"/>
         </a:p>
       </dgm:t>
     </dgm:pt>
@@ -4002,7 +3998,7 @@
         <a:bodyPr/>
         <a:lstStyle/>
         <a:p>
-          <a:endParaRPr lang="en-US"/>
+          <a:endParaRPr lang="es-AR" noProof="0" dirty="0"/>
         </a:p>
       </dgm:t>
     </dgm:pt>
@@ -4226,10 +4222,10 @@
             <a:buNone/>
           </a:pPr>
           <a:r>
-            <a:rPr lang="es-ES" sz="4000" kern="1200" dirty="0"/>
+            <a:rPr lang="es-ES" sz="4000" kern="1200"/>
             <a:t>Identificar la base de clientes con mayor potencial para la venta de producto/s</a:t>
           </a:r>
-          <a:endParaRPr lang="en-US" sz="4000" kern="1200" dirty="0"/>
+          <a:endParaRPr lang="en-US" sz="4000" kern="1200"/>
         </a:p>
       </dsp:txBody>
       <dsp:txXfrm>
@@ -4682,10 +4678,10 @@
             <a:buNone/>
           </a:pPr>
           <a:r>
-            <a:rPr lang="es-AR" sz="5200" kern="1200" dirty="0" err="1"/>
+            <a:rPr lang="es-AR" sz="5200" kern="1200" err="1"/>
             <a:t>Kmeans</a:t>
           </a:r>
-          <a:endParaRPr lang="en-US" sz="5200" kern="1200" dirty="0"/>
+          <a:endParaRPr lang="en-US" sz="5200" kern="1200"/>
         </a:p>
       </dsp:txBody>
       <dsp:txXfrm>
@@ -4761,10 +4757,10 @@
             <a:buNone/>
           </a:pPr>
           <a:r>
-            <a:rPr lang="es-ES" sz="5200" kern="1200" dirty="0"/>
+            <a:rPr lang="es-ES" sz="5200" kern="1200"/>
             <a:t>DBSCAN</a:t>
           </a:r>
-          <a:endParaRPr lang="en-US" sz="5200" kern="1200" dirty="0"/>
+          <a:endParaRPr lang="en-US" sz="5200" kern="1200"/>
         </a:p>
       </dsp:txBody>
       <dsp:txXfrm>
@@ -4840,14 +4836,14 @@
             <a:buNone/>
           </a:pPr>
           <a:r>
-            <a:rPr lang="es-ES" sz="5200" kern="1200" dirty="0" err="1"/>
+            <a:rPr lang="es-ES" sz="5200" kern="1200" err="1"/>
             <a:t>Clustering</a:t>
           </a:r>
           <a:r>
-            <a:rPr lang="es-ES" sz="5200" kern="1200" dirty="0"/>
+            <a:rPr lang="es-ES" sz="5200" kern="1200"/>
             <a:t> Jerárquico</a:t>
           </a:r>
-          <a:endParaRPr lang="en-US" sz="5200" kern="1200" dirty="0"/>
+          <a:endParaRPr lang="en-US" sz="5200" kern="1200"/>
         </a:p>
       </dsp:txBody>
       <dsp:txXfrm>
@@ -4967,18 +4963,17 @@
             <a:buNone/>
           </a:pPr>
           <a:r>
-            <a:rPr lang="es-AR" sz="1900" kern="1200" dirty="0"/>
+            <a:rPr lang="es-AR" sz="1900" kern="1200" noProof="0" dirty="0"/>
             <a:t>Dado el tipo de set de datos que poseíamos y la distribución de las variables, el mejor método para poder segmentar a los clientes fue </a:t>
           </a:r>
           <a:r>
-            <a:rPr lang="es-AR" sz="1900" kern="1200" dirty="0" err="1"/>
+            <a:rPr lang="es-AR" sz="1900" kern="1200" noProof="0" dirty="0" err="1"/>
             <a:t>Kmeans</a:t>
           </a:r>
           <a:r>
-            <a:rPr lang="es-AR" sz="1900" kern="1200" dirty="0"/>
+            <a:rPr lang="es-AR" sz="1900" kern="1200" noProof="0" dirty="0"/>
             <a:t>.</a:t>
           </a:r>
-          <a:endParaRPr lang="en-US" sz="1900" kern="1200" dirty="0"/>
         </a:p>
       </dsp:txBody>
       <dsp:txXfrm>
@@ -5086,26 +5081,25 @@
             <a:buNone/>
           </a:pPr>
           <a:r>
-            <a:rPr lang="es-AR" sz="1900" kern="1200" dirty="0"/>
+            <a:rPr lang="es-AR" sz="1900" kern="1200" noProof="0" dirty="0"/>
             <a:t>Se ajustaron los </a:t>
           </a:r>
           <a:r>
-            <a:rPr lang="es-AR" sz="1900" kern="1200" dirty="0" err="1"/>
+            <a:rPr lang="es-AR" sz="1900" kern="1200" noProof="0" dirty="0" err="1"/>
             <a:t>hiperparámetros</a:t>
           </a:r>
           <a:r>
-            <a:rPr lang="es-AR" sz="1900" kern="1200" dirty="0"/>
+            <a:rPr lang="es-AR" sz="1900" kern="1200" noProof="0" dirty="0"/>
             <a:t> de DBSCAN y de </a:t>
           </a:r>
           <a:r>
-            <a:rPr lang="es-AR" sz="1900" kern="1200"/>
+            <a:rPr lang="es-AR" sz="1900" kern="1200" noProof="0" dirty="0" err="1"/>
             <a:t>clustering</a:t>
           </a:r>
           <a:r>
-            <a:rPr lang="es-AR" sz="1900" kern="1200" dirty="0"/>
+            <a:rPr lang="es-AR" sz="1900" kern="1200" noProof="0" dirty="0"/>
             <a:t> jerárquico justamente para coincidir y comparar los datos. </a:t>
           </a:r>
-          <a:endParaRPr lang="en-US" sz="1900" kern="1200" dirty="0"/>
         </a:p>
       </dsp:txBody>
       <dsp:txXfrm>
@@ -5213,18 +5207,17 @@
             <a:buNone/>
           </a:pPr>
           <a:r>
-            <a:rPr lang="es-AR" sz="1900" kern="1200" dirty="0"/>
+            <a:rPr lang="es-AR" sz="1900" kern="1200" noProof="0" dirty="0"/>
             <a:t>Se realizó el análisis de los datos de la forma menos sesgada posible a fin que el cliente (conociendo el negocio) pueda aun trabajar con segmentos más chicos (división en 6 </a:t>
           </a:r>
           <a:r>
-            <a:rPr lang="es-AR" sz="1900" kern="1200" dirty="0" err="1"/>
+            <a:rPr lang="es-AR" sz="1900" kern="1200" noProof="0" dirty="0" err="1"/>
             <a:t>clusters</a:t>
           </a:r>
           <a:r>
-            <a:rPr lang="es-AR" sz="1900" kern="1200" dirty="0"/>
+            <a:rPr lang="es-AR" sz="1900" kern="1200" noProof="0" dirty="0"/>
             <a:t> si fuera necesario).</a:t>
           </a:r>
-          <a:endParaRPr lang="en-US" sz="1900" kern="1200" dirty="0"/>
         </a:p>
       </dsp:txBody>
       <dsp:txXfrm>
@@ -5332,10 +5325,9 @@
             <a:buNone/>
           </a:pPr>
           <a:r>
-            <a:rPr lang="es-ES" sz="1900" kern="1200" dirty="0"/>
+            <a:rPr lang="es-AR" sz="1900" kern="1200" noProof="0" dirty="0"/>
             <a:t>El segmento de clientes ocasionales, puede incrementar las ventas, pero hay que ser cauteloso con las ofertas que se le envían dado que es muy probable que sigan firmes con su objetivo de largo plazo.</a:t>
           </a:r>
-          <a:endParaRPr lang="en-US" sz="1900" kern="1200" dirty="0"/>
         </a:p>
       </dsp:txBody>
       <dsp:txXfrm>
@@ -15280,18 +15272,9 @@
           <a:lstStyle/>
           <a:p>
             <a:r>
-              <a:rPr lang="en-US" sz="3200" cap="none" dirty="0" err="1"/>
-              <a:t>Aprendizaje</a:t>
+              <a:rPr lang="es-AR" sz="3200" cap="none" noProof="1"/>
+              <a:t>Aprendizaje no supervisado</a:t>
             </a:r>
-            <a:r>
-              <a:rPr lang="en-US" sz="3200" cap="none" dirty="0"/>
-              <a:t> no </a:t>
-            </a:r>
-            <a:r>
-              <a:rPr lang="en-US" sz="3200" cap="none" dirty="0" err="1"/>
-              <a:t>supervisado</a:t>
-            </a:r>
-            <a:endParaRPr lang="en-US" sz="3200" cap="none" dirty="0"/>
           </a:p>
         </p:txBody>
       </p:sp>
@@ -15329,20 +15312,8 @@
               </a:lnSpc>
             </a:pPr>
             <a:r>
-              <a:rPr lang="en-US" dirty="0" err="1"/>
-              <a:t>Trabajo</a:t>
-            </a:r>
-            <a:r>
-              <a:rPr lang="en-US" dirty="0"/>
-              <a:t> </a:t>
-            </a:r>
-            <a:r>
-              <a:rPr lang="en-US" dirty="0" err="1"/>
-              <a:t>Práctico</a:t>
-            </a:r>
-            <a:r>
-              <a:rPr lang="en-US" dirty="0"/>
-              <a:t> Final </a:t>
+              <a:rPr lang="es-AR" dirty="0"/>
+              <a:t>Trabajo Práctico Final </a:t>
             </a:r>
           </a:p>
           <a:p>
@@ -15367,12 +15338,8 @@
               </a:lnSpc>
             </a:pPr>
             <a:r>
-              <a:rPr lang="en-US" dirty="0" err="1"/>
-              <a:t>Alumno</a:t>
-            </a:r>
-            <a:r>
-              <a:rPr lang="en-US" dirty="0"/>
-              <a:t>: Pavelek Israel</a:t>
+              <a:rPr lang="es-AR" dirty="0"/>
+              <a:t>Alumno: Pavelek Israel</a:t>
             </a:r>
           </a:p>
         </p:txBody>
@@ -15604,7 +15571,7 @@
               </a:spcAft>
             </a:pPr>
             <a:r>
-              <a:rPr lang="en-US" sz="3600" b="1" cap="all" spc="390" dirty="0" err="1">
+              <a:rPr lang="es-AR" sz="3600" b="1" cap="all" spc="390" dirty="0">
                 <a:latin typeface="+mj-lt"/>
                 <a:ea typeface="+mj-ea"/>
                 <a:cs typeface="+mj-cs"/>
@@ -15612,54 +15579,17 @@
               <a:t>Diplomatura</a:t>
             </a:r>
             <a:r>
-              <a:rPr lang="en-US" sz="2400" b="1" dirty="0"/>
+              <a:rPr lang="es-AR" sz="2400" b="1" dirty="0"/>
               <a:t> </a:t>
             </a:r>
             <a:r>
-              <a:rPr lang="en-US" sz="3600" b="1" cap="all" spc="390" dirty="0" err="1">
+              <a:rPr lang="es-AR" sz="3600" b="1" cap="all" spc="390" dirty="0">
                 <a:latin typeface="+mj-lt"/>
                 <a:ea typeface="+mj-ea"/>
                 <a:cs typeface="+mj-cs"/>
               </a:rPr>
-              <a:t>en</a:t>
+              <a:t>en Ciencias de Datos</a:t>
             </a:r>
-            <a:r>
-              <a:rPr lang="en-US" sz="3600" b="1" cap="all" spc="390" dirty="0">
-                <a:latin typeface="+mj-lt"/>
-                <a:ea typeface="+mj-ea"/>
-                <a:cs typeface="+mj-cs"/>
-              </a:rPr>
-              <a:t> </a:t>
-            </a:r>
-            <a:r>
-              <a:rPr lang="en-US" sz="3600" b="1" cap="all" spc="390" dirty="0" err="1">
-                <a:latin typeface="+mj-lt"/>
-                <a:ea typeface="+mj-ea"/>
-                <a:cs typeface="+mj-cs"/>
-              </a:rPr>
-              <a:t>Ciencias</a:t>
-            </a:r>
-            <a:r>
-              <a:rPr lang="en-US" sz="3600" b="1" cap="all" spc="390" dirty="0">
-                <a:latin typeface="+mj-lt"/>
-                <a:ea typeface="+mj-ea"/>
-                <a:cs typeface="+mj-cs"/>
-              </a:rPr>
-              <a:t> de </a:t>
-            </a:r>
-            <a:r>
-              <a:rPr lang="en-US" sz="3600" b="1" cap="all" spc="390" dirty="0" err="1">
-                <a:latin typeface="+mj-lt"/>
-                <a:ea typeface="+mj-ea"/>
-                <a:cs typeface="+mj-cs"/>
-              </a:rPr>
-              <a:t>Datos</a:t>
-            </a:r>
-            <a:endParaRPr lang="es-ES" sz="3600" b="1" cap="all" spc="390" dirty="0">
-              <a:latin typeface="+mj-lt"/>
-              <a:ea typeface="+mj-ea"/>
-              <a:cs typeface="+mj-cs"/>
-            </a:endParaRPr>
           </a:p>
         </p:txBody>
       </p:sp>
@@ -16005,7 +15935,7 @@
               <a:rPr lang="es-AR" dirty="0" err="1"/>
               <a:t>hiperparámetros</a:t>
             </a:r>
-            <a:endParaRPr lang="es-ES" dirty="0"/>
+            <a:endParaRPr lang="es-AR" dirty="0"/>
           </a:p>
         </p:txBody>
       </p:sp>
@@ -16038,22 +15968,22 @@
           <a:lstStyle/>
           <a:p>
             <a:pPr algn="ctr"/>
-            <a:endParaRPr lang="es-AR" dirty="0"/>
+            <a:endParaRPr lang="es-AR"/>
           </a:p>
           <a:p>
             <a:pPr algn="ctr"/>
             <a:r>
-              <a:rPr lang="es-AR" dirty="0"/>
+              <a:rPr lang="es-AR"/>
               <a:t>Método de la silueta</a:t>
             </a:r>
           </a:p>
           <a:p>
             <a:pPr algn="ctr"/>
-            <a:endParaRPr lang="es-AR" dirty="0"/>
+            <a:endParaRPr lang="es-AR"/>
           </a:p>
           <a:p>
             <a:pPr algn="ctr"/>
-            <a:endParaRPr lang="es-ES" dirty="0"/>
+            <a:endParaRPr lang="es-ES"/>
           </a:p>
         </p:txBody>
       </p:sp>
@@ -16369,10 +16299,10 @@
           <a:lstStyle/>
           <a:p>
             <a:r>
-              <a:rPr lang="es-AR" dirty="0" err="1"/>
+              <a:rPr lang="es-AR" err="1"/>
               <a:t>Clustering</a:t>
             </a:r>
-            <a:endParaRPr lang="es-ES" dirty="0"/>
+            <a:endParaRPr lang="es-ES"/>
           </a:p>
         </p:txBody>
       </p:sp>
@@ -16454,10 +16384,10 @@
           </a:lstStyle>
           <a:p>
             <a:r>
-              <a:rPr lang="es-AR" dirty="0"/>
+              <a:rPr lang="es-AR"/>
               <a:t>KMEANS</a:t>
             </a:r>
-            <a:endParaRPr lang="es-ES" dirty="0"/>
+            <a:endParaRPr lang="es-ES"/>
           </a:p>
         </p:txBody>
       </p:sp>
@@ -16539,10 +16469,10 @@
           </a:lstStyle>
           <a:p>
             <a:r>
-              <a:rPr lang="es-AR" dirty="0"/>
+              <a:rPr lang="es-AR"/>
               <a:t>DBSCAN</a:t>
             </a:r>
-            <a:endParaRPr lang="es-ES" dirty="0"/>
+            <a:endParaRPr lang="es-ES"/>
           </a:p>
         </p:txBody>
       </p:sp>
@@ -16624,21 +16554,21 @@
           </a:lstStyle>
           <a:p>
             <a:r>
-              <a:rPr lang="es-AR" sz="2900" dirty="0" err="1"/>
+              <a:rPr lang="es-AR" sz="2900" err="1"/>
               <a:t>Clutering</a:t>
             </a:r>
-            <a:endParaRPr lang="es-AR" sz="2900" dirty="0"/>
+            <a:endParaRPr lang="es-AR" sz="2900"/>
           </a:p>
           <a:p>
             <a:r>
-              <a:rPr lang="es-AR" sz="2900" dirty="0"/>
+              <a:rPr lang="es-AR" sz="2900"/>
               <a:t> </a:t>
             </a:r>
             <a:r>
-              <a:rPr lang="es-AR" sz="2900" dirty="0" err="1"/>
+              <a:rPr lang="es-AR" sz="2900" err="1"/>
               <a:t>Jerácquico</a:t>
             </a:r>
-            <a:endParaRPr lang="es-ES" sz="2900" dirty="0"/>
+            <a:endParaRPr lang="es-ES" sz="2900"/>
           </a:p>
         </p:txBody>
       </p:sp>
@@ -16701,18 +16631,18 @@
           <a:lstStyle/>
           <a:p>
             <a:r>
-              <a:rPr lang="es-AR" dirty="0"/>
+              <a:rPr lang="es-AR"/>
               <a:t>Análisis de los </a:t>
             </a:r>
             <a:r>
-              <a:rPr lang="es-AR" dirty="0" err="1"/>
+              <a:rPr lang="es-AR" err="1"/>
               <a:t>clusters</a:t>
             </a:r>
             <a:r>
-              <a:rPr lang="es-AR" dirty="0"/>
+              <a:rPr lang="es-AR"/>
               <a:t>.</a:t>
             </a:r>
-            <a:endParaRPr lang="es-ES" dirty="0"/>
+            <a:endParaRPr lang="es-ES"/>
           </a:p>
         </p:txBody>
       </p:sp>
@@ -16829,14 +16759,14 @@
                     <a:lstStyle/>
                     <a:p>
                       <a:r>
-                        <a:rPr lang="es-ES" dirty="0"/>
+                        <a:rPr lang="es-ES"/>
                         <a:t>Id de </a:t>
                       </a:r>
                       <a:r>
-                        <a:rPr lang="es-ES" dirty="0" err="1"/>
+                        <a:rPr lang="es-ES" err="1"/>
                         <a:t>cluster</a:t>
                       </a:r>
-                      <a:endParaRPr lang="es-ES" dirty="0"/>
+                      <a:endParaRPr lang="es-ES"/>
                     </a:p>
                   </a:txBody>
                   <a:tcPr/>
@@ -16847,7 +16777,7 @@
                     <a:lstStyle/>
                     <a:p>
                       <a:r>
-                        <a:rPr lang="es-ES" dirty="0"/>
+                        <a:rPr lang="es-ES"/>
                         <a:t>Tipo de cliente</a:t>
                       </a:r>
                     </a:p>
@@ -16884,7 +16814,7 @@
                         <a:defRPr/>
                       </a:pPr>
                       <a:r>
-                        <a:rPr lang="es-ES" sz="1800" b="0" i="0" kern="1200" dirty="0">
+                        <a:rPr lang="es-ES" sz="1800" b="0" i="0" kern="1200">
                           <a:solidFill>
                             <a:srgbClr val="000000"/>
                           </a:solidFill>
@@ -16922,7 +16852,7 @@
                         <a:defRPr/>
                       </a:pPr>
                       <a:r>
-                        <a:rPr lang="es-ES" sz="1400" b="0" i="0" kern="1200" dirty="0">
+                        <a:rPr lang="es-ES" sz="1400" b="0" i="0" kern="1200">
                           <a:solidFill>
                             <a:srgbClr val="000000"/>
                           </a:solidFill>
@@ -16967,7 +16897,7 @@
                         <a:defRPr/>
                       </a:pPr>
                       <a:r>
-                        <a:rPr lang="es-ES" sz="1800" b="0" i="0" kern="1200" dirty="0">
+                        <a:rPr lang="es-ES" sz="1800" b="0" i="0" kern="1200">
                           <a:solidFill>
                             <a:srgbClr val="000000"/>
                           </a:solidFill>
@@ -17005,7 +16935,7 @@
                         <a:defRPr/>
                       </a:pPr>
                       <a:r>
-                        <a:rPr lang="es-ES" sz="1400" b="0" i="0" kern="1200" dirty="0">
+                        <a:rPr lang="es-ES" sz="1400" b="0" i="0" kern="1200">
                           <a:solidFill>
                             <a:srgbClr val="000000"/>
                           </a:solidFill>
@@ -17050,7 +16980,7 @@
                         <a:defRPr/>
                       </a:pPr>
                       <a:r>
-                        <a:rPr lang="es-ES" sz="1800" b="0" i="0" kern="1200" dirty="0">
+                        <a:rPr lang="es-ES" sz="1800" b="0" i="0" kern="1200">
                           <a:solidFill>
                             <a:srgbClr val="000000"/>
                           </a:solidFill>
@@ -17088,7 +17018,7 @@
                         <a:defRPr/>
                       </a:pPr>
                       <a:r>
-                        <a:rPr lang="es-ES" sz="1400" b="0" i="0" kern="1200" dirty="0">
+                        <a:rPr lang="es-ES" sz="1400" b="0" i="0" kern="1200">
                           <a:solidFill>
                             <a:srgbClr val="000000"/>
                           </a:solidFill>
@@ -17118,7 +17048,7 @@
                         <a:tabLst/>
                         <a:defRPr/>
                       </a:pPr>
-                      <a:endParaRPr lang="es-ES" sz="1400" b="0" i="0" kern="1200" dirty="0">
+                      <a:endParaRPr lang="es-ES" sz="1400" b="0" i="0" kern="1200">
                         <a:solidFill>
                           <a:srgbClr val="000000"/>
                         </a:solidFill>
@@ -17161,7 +17091,7 @@
                         <a:defRPr/>
                       </a:pPr>
                       <a:r>
-                        <a:rPr lang="es-ES" sz="1800" b="0" i="0" kern="1200" dirty="0">
+                        <a:rPr lang="es-ES" sz="1800" b="0" i="0" kern="1200">
                           <a:solidFill>
                             <a:srgbClr val="000000"/>
                           </a:solidFill>
@@ -17199,7 +17129,7 @@
                         <a:defRPr/>
                       </a:pPr>
                       <a:r>
-                        <a:rPr lang="es-ES" sz="1400" b="0" i="0" kern="1200" dirty="0">
+                        <a:rPr lang="es-ES" sz="1400" b="0" i="0" kern="1200">
                           <a:solidFill>
                             <a:srgbClr val="000000"/>
                           </a:solidFill>
@@ -17244,7 +17174,7 @@
                         <a:defRPr/>
                       </a:pPr>
                       <a:r>
-                        <a:rPr lang="es-ES" sz="1800" b="0" i="0" kern="1200" dirty="0">
+                        <a:rPr lang="es-ES" sz="1800" b="0" i="0" kern="1200">
                           <a:solidFill>
                             <a:srgbClr val="000000"/>
                           </a:solidFill>
@@ -17282,7 +17212,7 @@
                         <a:defRPr/>
                       </a:pPr>
                       <a:r>
-                        <a:rPr lang="es-ES" sz="1400" b="0" i="0" kern="1200" dirty="0">
+                        <a:rPr lang="es-ES" sz="1400" b="0" i="0" kern="1200">
                           <a:solidFill>
                             <a:srgbClr val="000000"/>
                           </a:solidFill>
@@ -17355,14 +17285,14 @@
           </a:lstStyle>
           <a:p>
             <a:r>
-              <a:rPr lang="es-AR" sz="2000" dirty="0"/>
+              <a:rPr lang="es-AR" sz="2000"/>
               <a:t>valores medios en cada </a:t>
             </a:r>
             <a:r>
-              <a:rPr lang="es-AR" sz="2000" dirty="0" err="1"/>
+              <a:rPr lang="es-AR" sz="2000" err="1"/>
               <a:t>cluster</a:t>
             </a:r>
-            <a:endParaRPr lang="es-ES" sz="2000" dirty="0"/>
+            <a:endParaRPr lang="es-ES" sz="2000"/>
           </a:p>
         </p:txBody>
       </p:sp>
@@ -17423,7 +17353,7 @@
           <a:lstStyle/>
           <a:p>
             <a:r>
-              <a:rPr lang="es-ES" dirty="0"/>
+              <a:rPr lang="es-ES"/>
               <a:t>Descripción de los clientes</a:t>
             </a:r>
           </a:p>
@@ -17489,7 +17419,7 @@
                     <a:lstStyle/>
                     <a:p>
                       <a:r>
-                        <a:rPr lang="es-ES" dirty="0"/>
+                        <a:rPr lang="es-ES"/>
                         <a:t>Tipo de cliente</a:t>
                       </a:r>
                     </a:p>
@@ -17503,7 +17433,7 @@
                     <a:p>
                       <a:pPr algn="ctr"/>
                       <a:r>
-                        <a:rPr lang="es-ES" dirty="0"/>
+                        <a:rPr lang="es-ES"/>
                         <a:t>Descripción</a:t>
                       </a:r>
                     </a:p>
@@ -17517,10 +17447,10 @@
                     <a:p>
                       <a:pPr algn="ctr"/>
                       <a:r>
-                        <a:rPr lang="es-AR" dirty="0"/>
+                        <a:rPr lang="es-AR"/>
                         <a:t>Sugerencias</a:t>
                       </a:r>
-                      <a:endParaRPr lang="es-ES" dirty="0"/>
+                      <a:endParaRPr lang="es-ES"/>
                     </a:p>
                   </a:txBody>
                   <a:tcPr/>
@@ -17555,7 +17485,7 @@
                         <a:defRPr/>
                       </a:pPr>
                       <a:r>
-                        <a:rPr lang="es-ES" sz="1400" b="0" i="0" kern="1200" dirty="0">
+                        <a:rPr lang="es-ES" sz="1400" b="0" i="0" kern="1200">
                           <a:solidFill>
                             <a:srgbClr val="000000"/>
                           </a:solidFill>
@@ -17593,7 +17523,7 @@
                         <a:defRPr/>
                       </a:pPr>
                       <a:r>
-                        <a:rPr lang="es-ES" sz="1200" b="0" i="0" kern="1200" dirty="0">
+                        <a:rPr lang="es-ES" sz="1200" b="0" i="0" kern="1200">
                           <a:solidFill>
                             <a:srgbClr val="000000"/>
                           </a:solidFill>
@@ -17623,7 +17553,7 @@
                         <a:tabLst/>
                         <a:defRPr/>
                       </a:pPr>
-                      <a:endParaRPr lang="es-ES" sz="1200" b="0" i="0" kern="1200" dirty="0">
+                      <a:endParaRPr lang="es-ES" sz="1200" b="0" i="0" kern="1200">
                         <a:solidFill>
                           <a:srgbClr val="000000"/>
                         </a:solidFill>
@@ -17642,7 +17572,7 @@
                     <a:lstStyle/>
                     <a:p>
                       <a:r>
-                        <a:rPr lang="es-AR" sz="1200" b="0" i="0" kern="1200" dirty="0">
+                        <a:rPr lang="es-AR" sz="1200" b="0" i="0" kern="1200">
                           <a:solidFill>
                             <a:srgbClr val="000000"/>
                           </a:solidFill>
@@ -17653,7 +17583,7 @@
                         </a:rPr>
                         <a:t>Se sugiere a este grupo, ofrecer productos relacionados con inversiones, o productos que den alguna rentabilidad a un riesgo moderado/bajo, también se le puede ofrecer productos relativos seguros médicos, medicina prepaga. </a:t>
                       </a:r>
-                      <a:endParaRPr lang="es-ES" sz="1200" b="0" i="0" kern="1200" dirty="0">
+                      <a:endParaRPr lang="es-ES" sz="1200" b="0" i="0" kern="1200">
                         <a:solidFill>
                           <a:srgbClr val="000000"/>
                         </a:solidFill>
@@ -17696,7 +17626,7 @@
                         <a:defRPr/>
                       </a:pPr>
                       <a:r>
-                        <a:rPr lang="es-ES" sz="1400" b="0" i="0" kern="1200" dirty="0">
+                        <a:rPr lang="es-ES" sz="1400" b="0" i="0" kern="1200">
                           <a:solidFill>
                             <a:srgbClr val="000000"/>
                           </a:solidFill>
@@ -17727,7 +17657,7 @@
                         <a:defRPr/>
                       </a:pPr>
                       <a:r>
-                        <a:rPr lang="es-ES" sz="1400" b="0" i="0" kern="1200" dirty="0">
+                        <a:rPr lang="es-ES" sz="1400" b="0" i="0" kern="1200">
                           <a:solidFill>
                             <a:srgbClr val="000000"/>
                           </a:solidFill>
@@ -17765,7 +17695,7 @@
                         <a:defRPr/>
                       </a:pPr>
                       <a:r>
-                        <a:rPr lang="es-ES" sz="1200" b="0" i="0" kern="1200" dirty="0">
+                        <a:rPr lang="es-ES" sz="1200" b="0" i="0" kern="1200">
                           <a:solidFill>
                             <a:srgbClr val="000000"/>
                           </a:solidFill>
@@ -17795,7 +17725,7 @@
                         <a:tabLst/>
                         <a:defRPr/>
                       </a:pPr>
-                      <a:endParaRPr lang="es-ES" sz="1200" b="0" i="0" kern="1200" dirty="0">
+                      <a:endParaRPr lang="es-ES" sz="1200" b="0" i="0" kern="1200">
                         <a:solidFill>
                           <a:srgbClr val="000000"/>
                         </a:solidFill>
@@ -17814,7 +17744,7 @@
                     <a:lstStyle/>
                     <a:p>
                       <a:r>
-                        <a:rPr lang="es-AR" sz="1200" b="0" i="0" kern="1200" dirty="0">
+                        <a:rPr lang="es-AR" sz="1200" b="0" i="0" kern="1200">
                           <a:solidFill>
                             <a:srgbClr val="000000"/>
                           </a:solidFill>
@@ -17827,7 +17757,7 @@
                       </a:r>
                     </a:p>
                     <a:p>
-                      <a:endParaRPr lang="es-ES" sz="1200" b="0" i="0" kern="1200" dirty="0">
+                      <a:endParaRPr lang="es-ES" sz="1200" b="0" i="0" kern="1200">
                         <a:solidFill>
                           <a:srgbClr val="000000"/>
                         </a:solidFill>
@@ -17870,7 +17800,7 @@
                         <a:defRPr/>
                       </a:pPr>
                       <a:r>
-                        <a:rPr lang="es-ES" sz="1400" b="0" i="0" kern="1200" dirty="0">
+                        <a:rPr lang="es-ES" sz="1400" b="0" i="0" kern="1200">
                           <a:solidFill>
                             <a:srgbClr val="000000"/>
                           </a:solidFill>
@@ -17901,7 +17831,7 @@
                         <a:defRPr/>
                       </a:pPr>
                       <a:r>
-                        <a:rPr lang="es-ES" sz="1400" b="0" i="0" kern="1200" dirty="0">
+                        <a:rPr lang="es-ES" sz="1400" b="0" i="0" kern="1200">
                           <a:solidFill>
                             <a:srgbClr val="000000"/>
                           </a:solidFill>
@@ -17939,7 +17869,7 @@
                         <a:defRPr/>
                       </a:pPr>
                       <a:r>
-                        <a:rPr lang="es-ES" sz="1200" b="0" i="0" kern="1200" dirty="0">
+                        <a:rPr lang="es-ES" sz="1200" b="0" i="0" kern="1200">
                           <a:solidFill>
                             <a:srgbClr val="000000"/>
                           </a:solidFill>
@@ -17969,7 +17899,7 @@
                         <a:tabLst/>
                         <a:defRPr/>
                       </a:pPr>
-                      <a:endParaRPr lang="es-ES" sz="1200" b="0" i="0" kern="1200" dirty="0">
+                      <a:endParaRPr lang="es-ES" sz="1200" b="0" i="0" kern="1200">
                         <a:solidFill>
                           <a:srgbClr val="000000"/>
                         </a:solidFill>
@@ -17988,7 +17918,7 @@
                     <a:lstStyle/>
                     <a:p>
                       <a:r>
-                        <a:rPr lang="es-AR" sz="1200" b="0" i="0" kern="1200" dirty="0">
+                        <a:rPr lang="es-AR" sz="1200" b="0" i="0" kern="1200">
                           <a:solidFill>
                             <a:srgbClr val="000000"/>
                           </a:solidFill>
@@ -17999,7 +17929,7 @@
                         </a:rPr>
                         <a:t>Se sugiere a este grupo de personas ofrecer productos de alta gama, inversiones con riesgo medio-elevado. Bienes de consumo durables costosos.</a:t>
                       </a:r>
-                      <a:endParaRPr lang="es-ES" sz="1200" b="0" i="0" kern="1200" dirty="0">
+                      <a:endParaRPr lang="es-ES" sz="1200" b="0" i="0" kern="1200">
                         <a:solidFill>
                           <a:srgbClr val="000000"/>
                         </a:solidFill>
@@ -18042,7 +17972,7 @@
                         <a:defRPr/>
                       </a:pPr>
                       <a:r>
-                        <a:rPr lang="es-ES" sz="1400" b="0" i="0" kern="1200" dirty="0">
+                        <a:rPr lang="es-ES" sz="1400" b="0" i="0" kern="1200">
                           <a:solidFill>
                             <a:srgbClr val="000000"/>
                           </a:solidFill>
@@ -18073,7 +18003,7 @@
                         <a:defRPr/>
                       </a:pPr>
                       <a:r>
-                        <a:rPr lang="es-ES" sz="1400" b="0" i="0" kern="1200" dirty="0">
+                        <a:rPr lang="es-ES" sz="1400" b="0" i="0" kern="1200">
                           <a:solidFill>
                             <a:srgbClr val="000000"/>
                           </a:solidFill>
@@ -18103,7 +18033,7 @@
                         <a:tabLst/>
                         <a:defRPr/>
                       </a:pPr>
-                      <a:endParaRPr lang="es-ES" sz="1400" b="0" i="0" kern="1200" dirty="0">
+                      <a:endParaRPr lang="es-ES" sz="1400" b="0" i="0" kern="1200">
                         <a:solidFill>
                           <a:srgbClr val="000000"/>
                         </a:solidFill>
@@ -18139,7 +18069,7 @@
                         <a:defRPr/>
                       </a:pPr>
                       <a:r>
-                        <a:rPr lang="es-ES" sz="1200" b="0" i="0" kern="1200" dirty="0">
+                        <a:rPr lang="es-ES" sz="1200" b="0" i="0" kern="1200">
                           <a:solidFill>
                             <a:srgbClr val="000000"/>
                           </a:solidFill>
@@ -18177,7 +18107,7 @@
                         <a:defRPr/>
                       </a:pPr>
                       <a:r>
-                        <a:rPr lang="es-AR" sz="1200" b="0" i="0" kern="1200" dirty="0">
+                        <a:rPr lang="es-AR" sz="1200" b="0" i="0" kern="1200">
                           <a:solidFill>
                             <a:srgbClr val="000000"/>
                           </a:solidFill>
@@ -18188,7 +18118,7 @@
                         </a:rPr>
                         <a:t>Se sugiere a este segmento ofrecer productos novedosos, por lo general, son clientes que quieren tener el último modelo en tecnología o estar a la moda.</a:t>
                       </a:r>
-                      <a:endParaRPr lang="es-ES" sz="1200" b="0" i="0" kern="1200" dirty="0">
+                      <a:endParaRPr lang="es-ES" sz="1200" b="0" i="0" kern="1200">
                         <a:solidFill>
                           <a:srgbClr val="000000"/>
                         </a:solidFill>
@@ -18231,7 +18161,7 @@
                         <a:defRPr/>
                       </a:pPr>
                       <a:r>
-                        <a:rPr lang="es-ES" sz="1400" b="0" i="0" kern="1200" dirty="0">
+                        <a:rPr lang="es-ES" sz="1400" b="0" i="0" kern="1200">
                           <a:solidFill>
                             <a:srgbClr val="000000"/>
                           </a:solidFill>
@@ -18262,7 +18192,7 @@
                         <a:defRPr/>
                       </a:pPr>
                       <a:r>
-                        <a:rPr lang="es-ES" sz="1400" b="0" i="0" kern="1200" dirty="0">
+                        <a:rPr lang="es-ES" sz="1400" b="0" i="0" kern="1200">
                           <a:solidFill>
                             <a:srgbClr val="000000"/>
                           </a:solidFill>
@@ -18300,7 +18230,7 @@
                         <a:defRPr/>
                       </a:pPr>
                       <a:r>
-                        <a:rPr lang="es-ES" sz="1200" b="0" i="0" kern="1200" dirty="0">
+                        <a:rPr lang="es-ES" sz="1200" b="0" i="0" kern="1200">
                           <a:solidFill>
                             <a:srgbClr val="000000"/>
                           </a:solidFill>
@@ -18330,7 +18260,7 @@
                         <a:tabLst/>
                         <a:defRPr/>
                       </a:pPr>
-                      <a:endParaRPr lang="es-ES" sz="1200" b="0" i="0" kern="1200" dirty="0">
+                      <a:endParaRPr lang="es-ES" sz="1200" b="0" i="0" kern="1200">
                         <a:solidFill>
                           <a:srgbClr val="000000"/>
                         </a:solidFill>
@@ -18349,7 +18279,7 @@
                     <a:lstStyle/>
                     <a:p>
                       <a:r>
-                        <a:rPr lang="es-AR" sz="1200" b="0" i="0" kern="1200" dirty="0">
+                        <a:rPr lang="es-AR" sz="1200" b="0" i="0" kern="1200">
                           <a:solidFill>
                             <a:srgbClr val="000000"/>
                           </a:solidFill>
@@ -18360,7 +18290,7 @@
                         </a:rPr>
                         <a:t>Se sugiere a este tipo de cliente ofrecer descuentos, o cupones sobre productos de necesidades diarias.</a:t>
                       </a:r>
-                      <a:endParaRPr lang="es-ES" sz="1200" b="0" i="0" kern="1200" dirty="0">
+                      <a:endParaRPr lang="es-ES" sz="1200" b="0" i="0" kern="1200">
                         <a:solidFill>
                           <a:srgbClr val="000000"/>
                         </a:solidFill>
@@ -18912,7 +18842,7 @@
             <p:ph idx="1"/>
             <p:extLst>
               <p:ext uri="{D42A27DB-BD31-4B8C-83A1-F6EECF244321}">
-                <p14:modId xmlns:p14="http://schemas.microsoft.com/office/powerpoint/2010/main" val="365712774"/>
+                <p14:modId xmlns:p14="http://schemas.microsoft.com/office/powerpoint/2010/main" val="873599138"/>
               </p:ext>
             </p:extLst>
           </p:nvPr>
@@ -19275,7 +19205,7 @@
           </a:lstStyle>
           <a:p>
             <a:pPr algn="ctr"/>
-            <a:endParaRPr lang="en-US" dirty="0"/>
+            <a:endParaRPr lang="en-US"/>
           </a:p>
         </p:txBody>
       </p:sp>
@@ -19309,10 +19239,10 @@
           <a:p>
             <a:pPr algn="ctr"/>
             <a:r>
-              <a:rPr lang="es-AR" dirty="0"/>
+              <a:rPr lang="es-AR"/>
               <a:t>Objetivo:</a:t>
             </a:r>
-            <a:endParaRPr lang="es-ES" dirty="0"/>
+            <a:endParaRPr lang="es-ES"/>
           </a:p>
         </p:txBody>
       </p:sp>
@@ -19686,10 +19616,10 @@
           <a:lstStyle/>
           <a:p>
             <a:r>
-              <a:rPr lang="es-AR" dirty="0"/>
+              <a:rPr lang="es-AR"/>
               <a:t>Procedimiento:</a:t>
             </a:r>
-            <a:endParaRPr lang="es-ES" dirty="0"/>
+            <a:endParaRPr lang="es-ES"/>
           </a:p>
         </p:txBody>
       </p:sp>
@@ -19736,36 +19666,16 @@
           <a:p>
             <a:pPr algn="ctr"/>
             <a:r>
-              <a:rPr lang="en-US" b="0" i="0" dirty="0" err="1">
+              <a:rPr lang="es-AR" b="0" i="0">
                 <a:solidFill>
                   <a:srgbClr val="000000"/>
                 </a:solidFill>
                 <a:effectLst/>
                 <a:latin typeface="Helvetica Neue"/>
               </a:rPr>
-              <a:t>Análisis</a:t>
+              <a:t>Análisis exploratorio</a:t>
             </a:r>
-            <a:r>
-              <a:rPr lang="en-US" b="0" i="0" dirty="0">
-                <a:solidFill>
-                  <a:srgbClr val="000000"/>
-                </a:solidFill>
-                <a:effectLst/>
-                <a:latin typeface="Helvetica Neue"/>
-              </a:rPr>
-              <a:t> </a:t>
-            </a:r>
-            <a:r>
-              <a:rPr lang="en-US" b="0" i="0" dirty="0" err="1">
-                <a:solidFill>
-                  <a:srgbClr val="000000"/>
-                </a:solidFill>
-                <a:effectLst/>
-                <a:latin typeface="Helvetica Neue"/>
-              </a:rPr>
-              <a:t>exploratorio</a:t>
-            </a:r>
-            <a:endParaRPr lang="en-US" dirty="0"/>
+            <a:endParaRPr lang="es-AR"/>
           </a:p>
         </p:txBody>
       </p:sp>
@@ -19812,7 +19722,7 @@
           <a:p>
             <a:pPr algn="ctr"/>
             <a:r>
-              <a:rPr lang="en-US" b="0" i="0" dirty="0" err="1">
+              <a:rPr lang="es-AR" b="0" i="0">
                 <a:solidFill>
                   <a:srgbClr val="000000"/>
                 </a:solidFill>
@@ -19822,24 +19732,15 @@
               <a:t>Selecci</a:t>
             </a:r>
             <a:r>
-              <a:rPr lang="en-US" dirty="0" err="1">
+              <a:rPr lang="es-AR">
                 <a:solidFill>
                   <a:srgbClr val="000000"/>
                 </a:solidFill>
                 <a:latin typeface="Helvetica Neue"/>
               </a:rPr>
-              <a:t>ón</a:t>
+              <a:t>ón de las variables</a:t>
             </a:r>
-            <a:r>
-              <a:rPr lang="en-US" dirty="0">
-                <a:solidFill>
-                  <a:srgbClr val="000000"/>
-                </a:solidFill>
-                <a:latin typeface="Helvetica Neue"/>
-              </a:rPr>
-              <a:t> de las variables</a:t>
-            </a:r>
-            <a:endParaRPr lang="en-US" dirty="0"/>
+            <a:endParaRPr lang="es-AR"/>
           </a:p>
         </p:txBody>
       </p:sp>
@@ -19886,89 +19787,34 @@
           <a:p>
             <a:pPr algn="ctr"/>
             <a:r>
-              <a:rPr lang="en-US" dirty="0" err="1">
+              <a:rPr lang="es-AR">
                 <a:solidFill>
                   <a:srgbClr val="000000"/>
                 </a:solidFill>
                 <a:latin typeface="Helvetica Neue"/>
               </a:rPr>
-              <a:t>Utilización</a:t>
+              <a:t>Utilización de modelos (</a:t>
             </a:r>
             <a:r>
-              <a:rPr lang="en-US" dirty="0">
-                <a:solidFill>
-                  <a:srgbClr val="000000"/>
-                </a:solidFill>
-                <a:latin typeface="Helvetica Neue"/>
-              </a:rPr>
-              <a:t> de </a:t>
-            </a:r>
-            <a:r>
-              <a:rPr lang="en-US" dirty="0" err="1">
-                <a:solidFill>
-                  <a:srgbClr val="000000"/>
-                </a:solidFill>
-                <a:latin typeface="Helvetica Neue"/>
-              </a:rPr>
-              <a:t>modelos</a:t>
-            </a:r>
-            <a:r>
-              <a:rPr lang="en-US" dirty="0">
-                <a:solidFill>
-                  <a:srgbClr val="000000"/>
-                </a:solidFill>
-                <a:latin typeface="Helvetica Neue"/>
-              </a:rPr>
-              <a:t> (</a:t>
-            </a:r>
-            <a:r>
-              <a:rPr lang="en-US" b="0" i="0" dirty="0" err="1">
+              <a:rPr lang="es-AR" b="0" i="0">
                 <a:solidFill>
                   <a:srgbClr val="000000"/>
                 </a:solidFill>
                 <a:effectLst/>
                 <a:latin typeface="Helvetica Neue"/>
               </a:rPr>
-              <a:t>KMeans</a:t>
+              <a:t>KMeans, </a:t>
             </a:r>
             <a:r>
-              <a:rPr lang="en-US" b="0" i="0" dirty="0">
-                <a:solidFill>
-                  <a:srgbClr val="000000"/>
-                </a:solidFill>
-                <a:effectLst/>
-                <a:latin typeface="Helvetica Neue"/>
-              </a:rPr>
-              <a:t>, </a:t>
-            </a:r>
-            <a:r>
-              <a:rPr lang="en-US" dirty="0">
+              <a:rPr lang="es-AR">
                 <a:solidFill>
                   <a:srgbClr val="000000"/>
                 </a:solidFill>
                 <a:latin typeface="Helvetica Neue"/>
               </a:rPr>
-              <a:t>DBSCAN, </a:t>
+              <a:t>DBSCAN, Jerárquico)</a:t>
             </a:r>
-            <a:r>
-              <a:rPr lang="en-US" dirty="0" err="1">
-                <a:solidFill>
-                  <a:srgbClr val="000000"/>
-                </a:solidFill>
-                <a:latin typeface="Helvetica Neue"/>
-              </a:rPr>
-              <a:t>Jerárquico</a:t>
-            </a:r>
-            <a:r>
-              <a:rPr lang="en-US" dirty="0">
-                <a:solidFill>
-                  <a:srgbClr val="000000"/>
-                </a:solidFill>
-                <a:latin typeface="Helvetica Neue"/>
-              </a:rPr>
-              <a:t>)</a:t>
-            </a:r>
-            <a:endParaRPr lang="en-US" dirty="0"/>
+            <a:endParaRPr lang="es-AR"/>
           </a:p>
         </p:txBody>
       </p:sp>
@@ -20015,7 +19861,7 @@
           <a:p>
             <a:pPr algn="ctr"/>
             <a:r>
-              <a:rPr lang="en-US" b="0" i="0" dirty="0" err="1">
+              <a:rPr lang="es-AR" b="0" i="0">
                 <a:solidFill>
                   <a:srgbClr val="000000"/>
                 </a:solidFill>
@@ -20025,24 +19871,15 @@
               <a:t>Descripci</a:t>
             </a:r>
             <a:r>
-              <a:rPr lang="en-US" dirty="0" err="1">
+              <a:rPr lang="es-AR">
                 <a:solidFill>
                   <a:srgbClr val="000000"/>
                 </a:solidFill>
                 <a:latin typeface="Helvetica Neue"/>
               </a:rPr>
-              <a:t>ón</a:t>
+              <a:t>ón de los Clusters</a:t>
             </a:r>
-            <a:r>
-              <a:rPr lang="en-US" dirty="0">
-                <a:solidFill>
-                  <a:srgbClr val="000000"/>
-                </a:solidFill>
-                <a:latin typeface="Helvetica Neue"/>
-              </a:rPr>
-              <a:t> de los Clusters</a:t>
-            </a:r>
-            <a:endParaRPr lang="en-US" b="0" i="0" dirty="0">
+            <a:endParaRPr lang="es-AR" b="0" i="0">
               <a:solidFill>
                 <a:srgbClr val="000000"/>
               </a:solidFill>
@@ -20312,30 +20149,16 @@
           <a:p>
             <a:pPr algn="ctr"/>
             <a:r>
-              <a:rPr lang="en-US" b="0" i="0" err="1">
+              <a:rPr lang="es-AR" b="0" i="0" dirty="0">
                 <a:effectLst/>
                 <a:latin typeface="Helvetica Neue"/>
               </a:rPr>
-              <a:t>Análisis</a:t>
-            </a:r>
-            <a:r>
-              <a:rPr lang="en-US" b="0" i="0">
-                <a:effectLst/>
-                <a:latin typeface="Helvetica Neue"/>
-              </a:rPr>
-              <a:t> </a:t>
-            </a:r>
-            <a:r>
-              <a:rPr lang="en-US" b="0" i="0" err="1">
-                <a:effectLst/>
-                <a:latin typeface="Helvetica Neue"/>
-              </a:rPr>
-              <a:t>exploratorio</a:t>
+              <a:t>Análisis exploratorio</a:t>
             </a:r>
             <a:br>
-              <a:rPr lang="en-US" dirty="0"/>
+              <a:rPr lang="es-AR" dirty="0"/>
             </a:br>
-            <a:endParaRPr lang="es-ES"/>
+            <a:endParaRPr lang="es-AR" dirty="0"/>
           </a:p>
         </p:txBody>
       </p:sp>
@@ -20369,10 +20192,10 @@
           <a:p>
             <a:pPr algn="ctr"/>
             <a:r>
-              <a:rPr lang="es-AR" dirty="0"/>
+              <a:rPr lang="es-AR"/>
               <a:t>Datos con 200 entradas y 5 columnas</a:t>
             </a:r>
-            <a:endParaRPr lang="es-ES" dirty="0"/>
+            <a:endParaRPr lang="es-ES"/>
           </a:p>
         </p:txBody>
       </p:sp>
@@ -20840,24 +20663,24 @@
           <a:lstStyle/>
           <a:p>
             <a:r>
-              <a:rPr lang="es-AR" dirty="0"/>
+              <a:rPr lang="es-AR"/>
               <a:t>No se encontraron nulos.</a:t>
             </a:r>
           </a:p>
           <a:p>
             <a:r>
-              <a:rPr lang="es-AR" dirty="0"/>
+              <a:rPr lang="es-AR"/>
               <a:t>Se encontraron dos </a:t>
             </a:r>
             <a:r>
-              <a:rPr lang="es-AR" dirty="0" err="1"/>
+              <a:rPr lang="es-AR" err="1"/>
               <a:t>outliers</a:t>
             </a:r>
             <a:r>
-              <a:rPr lang="es-AR" dirty="0"/>
+              <a:rPr lang="es-AR"/>
               <a:t>, que no fueron tomados en cuenta para el modelado pero si luego fueron etiquetados convenientemente</a:t>
             </a:r>
-            <a:endParaRPr lang="es-ES" dirty="0"/>
+            <a:endParaRPr lang="es-ES"/>
           </a:p>
         </p:txBody>
       </p:sp>
@@ -21774,7 +21597,7 @@
           </a:lstStyle>
           <a:p>
             <a:pPr algn="ctr"/>
-            <a:endParaRPr lang="en-US" dirty="0"/>
+            <a:endParaRPr lang="en-US"/>
           </a:p>
         </p:txBody>
       </p:sp>
@@ -21808,7 +21631,7 @@
           <a:p>
             <a:pPr algn="ctr"/>
             <a:r>
-              <a:rPr lang="es-AR" dirty="0"/>
+              <a:rPr lang="es-AR"/>
               <a:t>Selección de las variables</a:t>
             </a:r>
             <a:endParaRPr lang="es-ES"/>
@@ -22393,7 +22216,7 @@
           <a:p>
             <a:pPr algn="ctr"/>
             <a:r>
-              <a:rPr lang="es-AR" dirty="0"/>
+              <a:rPr lang="es-AR"/>
               <a:t>Algoritmos utilizados:</a:t>
             </a:r>
             <a:endParaRPr lang="es-ES"/>
@@ -22930,7 +22753,7 @@
               <a:rPr lang="es-AR" dirty="0" err="1"/>
               <a:t>hiperparámetros</a:t>
             </a:r>
-            <a:endParaRPr lang="es-ES" dirty="0"/>
+            <a:endParaRPr lang="es-AR" dirty="0"/>
           </a:p>
         </p:txBody>
       </p:sp>
@@ -22963,22 +22786,22 @@
           <a:lstStyle/>
           <a:p>
             <a:pPr algn="ctr"/>
-            <a:endParaRPr lang="es-AR" dirty="0"/>
+            <a:endParaRPr lang="es-AR"/>
           </a:p>
           <a:p>
             <a:pPr algn="ctr"/>
-            <a:endParaRPr lang="es-AR" dirty="0"/>
+            <a:endParaRPr lang="es-AR"/>
           </a:p>
           <a:p>
             <a:pPr algn="ctr"/>
             <a:r>
-              <a:rPr lang="es-AR" dirty="0"/>
+              <a:rPr lang="es-AR"/>
               <a:t>Método del codo</a:t>
             </a:r>
           </a:p>
           <a:p>
             <a:pPr algn="ctr"/>
-            <a:endParaRPr lang="es-ES" dirty="0"/>
+            <a:endParaRPr lang="es-ES"/>
           </a:p>
         </p:txBody>
       </p:sp>
